--- a/docs/diagrams/UndoRedoExecuteUndoCareTakerDiagram.pptx
+++ b/docs/diagrams/UndoRedoExecuteUndoCareTakerDiagram.pptx
@@ -265,7 +265,7 @@
           <a:p>
             <a:fld id="{03EC4E3E-8101-482F-A883-8B55DAFF7C07}" type="datetimeFigureOut">
               <a:rPr lang="en-SG" smtClean="0"/>
-              <a:t>17/4/2018</a:t>
+              <a:t>22/4/2018</a:t>
             </a:fld>
             <a:endParaRPr lang="en-SG"/>
           </a:p>
@@ -465,7 +465,7 @@
           <a:p>
             <a:fld id="{03EC4E3E-8101-482F-A883-8B55DAFF7C07}" type="datetimeFigureOut">
               <a:rPr lang="en-SG" smtClean="0"/>
-              <a:t>17/4/2018</a:t>
+              <a:t>22/4/2018</a:t>
             </a:fld>
             <a:endParaRPr lang="en-SG"/>
           </a:p>
@@ -675,7 +675,7 @@
           <a:p>
             <a:fld id="{03EC4E3E-8101-482F-A883-8B55DAFF7C07}" type="datetimeFigureOut">
               <a:rPr lang="en-SG" smtClean="0"/>
-              <a:t>17/4/2018</a:t>
+              <a:t>22/4/2018</a:t>
             </a:fld>
             <a:endParaRPr lang="en-SG"/>
           </a:p>
@@ -875,7 +875,7 @@
           <a:p>
             <a:fld id="{03EC4E3E-8101-482F-A883-8B55DAFF7C07}" type="datetimeFigureOut">
               <a:rPr lang="en-SG" smtClean="0"/>
-              <a:t>17/4/2018</a:t>
+              <a:t>22/4/2018</a:t>
             </a:fld>
             <a:endParaRPr lang="en-SG"/>
           </a:p>
@@ -1151,7 +1151,7 @@
           <a:p>
             <a:fld id="{03EC4E3E-8101-482F-A883-8B55DAFF7C07}" type="datetimeFigureOut">
               <a:rPr lang="en-SG" smtClean="0"/>
-              <a:t>17/4/2018</a:t>
+              <a:t>22/4/2018</a:t>
             </a:fld>
             <a:endParaRPr lang="en-SG"/>
           </a:p>
@@ -1419,7 +1419,7 @@
           <a:p>
             <a:fld id="{03EC4E3E-8101-482F-A883-8B55DAFF7C07}" type="datetimeFigureOut">
               <a:rPr lang="en-SG" smtClean="0"/>
-              <a:t>17/4/2018</a:t>
+              <a:t>22/4/2018</a:t>
             </a:fld>
             <a:endParaRPr lang="en-SG"/>
           </a:p>
@@ -1834,7 +1834,7 @@
           <a:p>
             <a:fld id="{03EC4E3E-8101-482F-A883-8B55DAFF7C07}" type="datetimeFigureOut">
               <a:rPr lang="en-SG" smtClean="0"/>
-              <a:t>17/4/2018</a:t>
+              <a:t>22/4/2018</a:t>
             </a:fld>
             <a:endParaRPr lang="en-SG"/>
           </a:p>
@@ -1976,7 +1976,7 @@
           <a:p>
             <a:fld id="{03EC4E3E-8101-482F-A883-8B55DAFF7C07}" type="datetimeFigureOut">
               <a:rPr lang="en-SG" smtClean="0"/>
-              <a:t>17/4/2018</a:t>
+              <a:t>22/4/2018</a:t>
             </a:fld>
             <a:endParaRPr lang="en-SG"/>
           </a:p>
@@ -2089,7 +2089,7 @@
           <a:p>
             <a:fld id="{03EC4E3E-8101-482F-A883-8B55DAFF7C07}" type="datetimeFigureOut">
               <a:rPr lang="en-SG" smtClean="0"/>
-              <a:t>17/4/2018</a:t>
+              <a:t>22/4/2018</a:t>
             </a:fld>
             <a:endParaRPr lang="en-SG"/>
           </a:p>
@@ -2402,7 +2402,7 @@
           <a:p>
             <a:fld id="{03EC4E3E-8101-482F-A883-8B55DAFF7C07}" type="datetimeFigureOut">
               <a:rPr lang="en-SG" smtClean="0"/>
-              <a:t>17/4/2018</a:t>
+              <a:t>22/4/2018</a:t>
             </a:fld>
             <a:endParaRPr lang="en-SG"/>
           </a:p>
@@ -2691,7 +2691,7 @@
           <a:p>
             <a:fld id="{03EC4E3E-8101-482F-A883-8B55DAFF7C07}" type="datetimeFigureOut">
               <a:rPr lang="en-SG" smtClean="0"/>
-              <a:t>17/4/2018</a:t>
+              <a:t>22/4/2018</a:t>
             </a:fld>
             <a:endParaRPr lang="en-SG"/>
           </a:p>
@@ -2934,7 +2934,7 @@
           <a:p>
             <a:fld id="{03EC4E3E-8101-482F-A883-8B55DAFF7C07}" type="datetimeFigureOut">
               <a:rPr lang="en-SG" smtClean="0"/>
-              <a:t>17/4/2018</a:t>
+              <a:t>22/4/2018</a:t>
             </a:fld>
             <a:endParaRPr lang="en-SG"/>
           </a:p>
@@ -3365,7 +3365,7 @@
         </p:nvSpPr>
         <p:spPr>
           <a:xfrm>
-            <a:off x="6379564" y="4739183"/>
+            <a:off x="6438549" y="4704348"/>
             <a:ext cx="4956351" cy="646331"/>
           </a:xfrm>
           <a:prstGeom prst="rect">
@@ -3419,7 +3419,51 @@
       </p:sp>
       <p:sp>
         <p:nvSpPr>
-          <p:cNvPr id="20" name="TextBox 19">
+          <p:cNvPr id="24" name="Down Arrow 23"/>
+          <p:cNvSpPr/>
+          <p:nvPr/>
+        </p:nvSpPr>
+        <p:spPr>
+          <a:xfrm>
+            <a:off x="7512000" y="2116184"/>
+            <a:ext cx="1335908" cy="1558834"/>
+          </a:xfrm>
+          <a:prstGeom prst="downArrow">
+            <a:avLst/>
+          </a:prstGeom>
+        </p:spPr>
+        <p:style>
+          <a:lnRef idx="2">
+            <a:schemeClr val="accent1">
+              <a:shade val="50000"/>
+            </a:schemeClr>
+          </a:lnRef>
+          <a:fillRef idx="1">
+            <a:schemeClr val="accent1"/>
+          </a:fillRef>
+          <a:effectRef idx="0">
+            <a:schemeClr val="accent1"/>
+          </a:effectRef>
+          <a:fontRef idx="minor">
+            <a:schemeClr val="lt1"/>
+          </a:fontRef>
+        </p:style>
+        <p:txBody>
+          <a:bodyPr rtlCol="0" anchor="ctr"/>
+          <a:lstStyle/>
+          <a:p>
+            <a:pPr algn="ctr"/>
+            <a:r>
+              <a:rPr lang="en-SG" dirty="0" smtClean="0"/>
+              <a:t>undo </a:t>
+            </a:r>
+            <a:endParaRPr lang="en-US" dirty="0"/>
+          </a:p>
+        </p:txBody>
+      </p:sp>
+      <p:sp>
+        <p:nvSpPr>
+          <p:cNvPr id="17" name="TextBox 16">
             <a:extLst>
               <a:ext uri="{FF2B5EF4-FFF2-40B4-BE49-F238E27FC236}">
                 <a16:creationId xmlns:a16="http://schemas.microsoft.com/office/drawing/2014/main" id="{3151A13B-9509-43FA-BFEB-1D9866A00B84}"/>
@@ -3431,7 +3475,7 @@
         </p:nvSpPr>
         <p:spPr>
           <a:xfrm>
-            <a:off x="5120640" y="2533388"/>
+            <a:off x="3917960" y="2726030"/>
             <a:ext cx="3207000" cy="369332"/>
           </a:xfrm>
           <a:prstGeom prst="rect">
@@ -3456,7 +3500,13 @@
               <a:rPr lang="en-SG" dirty="0" smtClean="0">
                 <a:latin typeface="Consolas" panose="020B0609020204030204" pitchFamily="49" charset="0"/>
               </a:rPr>
-              <a:t> = 2</a:t>
+              <a:t> = </a:t>
+            </a:r>
+            <a:r>
+              <a:rPr lang="en-SG" dirty="0">
+                <a:latin typeface="Consolas" panose="020B0609020204030204" pitchFamily="49" charset="0"/>
+              </a:rPr>
+              <a:t>2</a:t>
             </a:r>
             <a:endParaRPr lang="en-SG" dirty="0">
               <a:latin typeface="Consolas" panose="020B0609020204030204" pitchFamily="49" charset="0"/>
@@ -3466,7 +3516,7 @@
       </p:sp>
       <p:graphicFrame>
         <p:nvGraphicFramePr>
-          <p:cNvPr id="21" name="Table 20">
+          <p:cNvPr id="18" name="Table 17">
             <a:extLst>
               <a:ext uri="{FF2B5EF4-FFF2-40B4-BE49-F238E27FC236}">
                 <a16:creationId xmlns:a16="http://schemas.microsoft.com/office/drawing/2014/main" id="{F545FAB8-F1CE-4886-9BDE-E772BCB0A9C4}"/>
@@ -3479,14 +3529,14 @@
           <p:nvPr>
             <p:extLst>
               <p:ext uri="{D42A27DB-BD31-4B8C-83A1-F6EECF244321}">
-                <p14:modId xmlns:p14="http://schemas.microsoft.com/office/powerpoint/2010/main" val="394952222"/>
+                <p14:modId xmlns:p14="http://schemas.microsoft.com/office/powerpoint/2010/main" val="3789502409"/>
               </p:ext>
             </p:extLst>
           </p:nvPr>
         </p:nvGraphicFramePr>
         <p:xfrm>
-          <a:off x="346129" y="1027735"/>
-          <a:ext cx="2433209" cy="816036"/>
+          <a:off x="473240" y="1476102"/>
+          <a:ext cx="1789739" cy="417888"/>
         </p:xfrm>
         <a:graphic>
           <a:graphicData uri="http://schemas.openxmlformats.org/drawingml/2006/table">
@@ -3495,7 +3545,7 @@
                 <a:tableStyleId>{638B1855-1B75-4FBE-930C-398BA8C253C6}</a:tableStyleId>
               </a:tblPr>
               <a:tblGrid>
-                <a:gridCol w="2433209">
+                <a:gridCol w="1789739">
                   <a:extLst>
                     <a:ext uri="{9D8B030D-6E8A-4147-A177-3AD203B41FA5}">
                       <a16:colId xmlns:a16="http://schemas.microsoft.com/office/drawing/2014/main" val="4240773277"/>
@@ -3503,7 +3553,7 @@
                   </a:extLst>
                 </a:gridCol>
               </a:tblGrid>
-              <a:tr h="408018">
+              <a:tr h="417888">
                 <a:tc>
                   <a:txBody>
                     <a:bodyPr/>
@@ -3511,65 +3561,20 @@
                     <a:p>
                       <a:r>
                         <a:rPr lang="en-SG" u="sng" dirty="0" smtClean="0"/>
-                        <a:t>:AddressBook0</a:t>
+                        <a:t>:</a:t>
+                      </a:r>
+                      <a:r>
+                        <a:rPr lang="en-SG" sz="2000" u="sng" dirty="0" smtClean="0"/>
+                        <a:t>AddressBook0</a:t>
                       </a:r>
                       <a:endParaRPr lang="en-SG" u="sng" dirty="0"/>
                     </a:p>
                   </a:txBody>
-                  <a:tcPr>
-                    <a:lnB w="12700" cap="flat" cmpd="sng" algn="ctr">
-                      <a:solidFill>
-                        <a:schemeClr val="bg1">
-                          <a:lumMod val="75000"/>
-                        </a:schemeClr>
-                      </a:solidFill>
-                      <a:prstDash val="solid"/>
-                      <a:round/>
-                      <a:headEnd type="none" w="med" len="med"/>
-                      <a:tailEnd type="none" w="med" len="med"/>
-                    </a:lnB>
-                  </a:tcPr>
+                  <a:tcPr/>
                 </a:tc>
                 <a:extLst>
                   <a:ext uri="{0D108BD9-81ED-4DB2-BD59-A6C34878D82A}">
                     <a16:rowId xmlns:a16="http://schemas.microsoft.com/office/drawing/2014/main" val="2194462629"/>
-                  </a:ext>
-                </a:extLst>
-              </a:tr>
-              <a:tr h="408018">
-                <a:tc>
-                  <a:txBody>
-                    <a:bodyPr/>
-                    <a:lstStyle/>
-                    <a:p>
-                      <a:r>
-                        <a:rPr lang="en-SG" dirty="0" err="1" smtClean="0"/>
-                        <a:t>prevAddressBook</a:t>
-                      </a:r>
-                      <a:r>
-                        <a:rPr lang="en-SG" dirty="0" smtClean="0"/>
-                        <a:t> = s0</a:t>
-                      </a:r>
-                      <a:endParaRPr lang="en-SG" dirty="0"/>
-                    </a:p>
-                  </a:txBody>
-                  <a:tcPr>
-                    <a:lnT w="12700" cap="flat" cmpd="sng" algn="ctr">
-                      <a:solidFill>
-                        <a:schemeClr val="bg1">
-                          <a:lumMod val="75000"/>
-                        </a:schemeClr>
-                      </a:solidFill>
-                      <a:prstDash val="solid"/>
-                      <a:round/>
-                      <a:headEnd type="none" w="med" len="med"/>
-                      <a:tailEnd type="none" w="med" len="med"/>
-                    </a:lnT>
-                  </a:tcPr>
-                </a:tc>
-                <a:extLst>
-                  <a:ext uri="{0D108BD9-81ED-4DB2-BD59-A6C34878D82A}">
-                    <a16:rowId xmlns:a16="http://schemas.microsoft.com/office/drawing/2014/main" val="368623409"/>
                   </a:ext>
                 </a:extLst>
               </a:tr>
@@ -3579,7 +3584,7 @@
       </p:graphicFrame>
       <p:graphicFrame>
         <p:nvGraphicFramePr>
-          <p:cNvPr id="22" name="Table 21">
+          <p:cNvPr id="19" name="Table 18">
             <a:extLst>
               <a:ext uri="{FF2B5EF4-FFF2-40B4-BE49-F238E27FC236}">
                 <a16:creationId xmlns:a16="http://schemas.microsoft.com/office/drawing/2014/main" id="{F545FAB8-F1CE-4886-9BDE-E772BCB0A9C4}"/>
@@ -3592,14 +3597,14 @@
           <p:nvPr>
             <p:extLst>
               <p:ext uri="{D42A27DB-BD31-4B8C-83A1-F6EECF244321}">
-                <p14:modId xmlns:p14="http://schemas.microsoft.com/office/powerpoint/2010/main" val="1095159526"/>
+                <p14:modId xmlns:p14="http://schemas.microsoft.com/office/powerpoint/2010/main" val="2388105346"/>
               </p:ext>
             </p:extLst>
           </p:nvPr>
         </p:nvGraphicFramePr>
         <p:xfrm>
-          <a:off x="2905197" y="3483675"/>
-          <a:ext cx="2433209" cy="816036"/>
+          <a:off x="2563168" y="3931005"/>
+          <a:ext cx="1753888" cy="409055"/>
         </p:xfrm>
         <a:graphic>
           <a:graphicData uri="http://schemas.openxmlformats.org/drawingml/2006/table">
@@ -3608,7 +3613,7 @@
                 <a:tableStyleId>{638B1855-1B75-4FBE-930C-398BA8C253C6}</a:tableStyleId>
               </a:tblPr>
               <a:tblGrid>
-                <a:gridCol w="2433209">
+                <a:gridCol w="1753888">
                   <a:extLst>
                     <a:ext uri="{9D8B030D-6E8A-4147-A177-3AD203B41FA5}">
                       <a16:colId xmlns:a16="http://schemas.microsoft.com/office/drawing/2014/main" val="4240773277"/>
@@ -3616,32 +3621,20 @@
                   </a:extLst>
                 </a:gridCol>
               </a:tblGrid>
-              <a:tr h="408018">
+              <a:tr h="409055">
                 <a:tc>
                   <a:txBody>
                     <a:bodyPr/>
                     <a:lstStyle/>
                     <a:p>
                       <a:r>
-                        <a:rPr lang="en-SG" u="sng" dirty="0" smtClean="0"/>
+                        <a:rPr lang="en-SG" sz="2000" u="sng" dirty="0" smtClean="0"/>
                         <a:t>:AddressBook1</a:t>
                       </a:r>
-                      <a:endParaRPr lang="en-SG" u="sng" dirty="0"/>
+                      <a:endParaRPr lang="en-SG" sz="2000" u="sng" dirty="0"/>
                     </a:p>
                   </a:txBody>
-                  <a:tcPr>
-                    <a:lnB w="12700" cap="flat" cmpd="sng" algn="ctr">
-                      <a:solidFill>
-                        <a:schemeClr val="bg1">
-                          <a:lumMod val="75000"/>
-                        </a:schemeClr>
-                      </a:solidFill>
-                      <a:prstDash val="solid"/>
-                      <a:round/>
-                      <a:headEnd type="none" w="med" len="med"/>
-                      <a:tailEnd type="none" w="med" len="med"/>
-                    </a:lnB>
-                  </a:tcPr>
+                  <a:tcPr/>
                 </a:tc>
                 <a:extLst>
                   <a:ext uri="{0D108BD9-81ED-4DB2-BD59-A6C34878D82A}">
@@ -3649,57 +3642,20 @@
                   </a:ext>
                 </a:extLst>
               </a:tr>
-              <a:tr h="408018">
-                <a:tc>
-                  <a:txBody>
-                    <a:bodyPr/>
-                    <a:lstStyle/>
-                    <a:p>
-                      <a:r>
-                        <a:rPr lang="en-SG" dirty="0" err="1" smtClean="0"/>
-                        <a:t>prevAddressBook</a:t>
-                      </a:r>
-                      <a:r>
-                        <a:rPr lang="en-SG" dirty="0" smtClean="0"/>
-                        <a:t> = s1</a:t>
-                      </a:r>
-                      <a:endParaRPr lang="en-SG" dirty="0"/>
-                    </a:p>
-                  </a:txBody>
-                  <a:tcPr>
-                    <a:lnT w="12700" cap="flat" cmpd="sng" algn="ctr">
-                      <a:solidFill>
-                        <a:schemeClr val="bg1">
-                          <a:lumMod val="75000"/>
-                        </a:schemeClr>
-                      </a:solidFill>
-                      <a:prstDash val="solid"/>
-                      <a:round/>
-                      <a:headEnd type="none" w="med" len="med"/>
-                      <a:tailEnd type="none" w="med" len="med"/>
-                    </a:lnT>
-                  </a:tcPr>
-                </a:tc>
-                <a:extLst>
-                  <a:ext uri="{0D108BD9-81ED-4DB2-BD59-A6C34878D82A}">
-                    <a16:rowId xmlns:a16="http://schemas.microsoft.com/office/drawing/2014/main" val="368623409"/>
-                  </a:ext>
-                </a:extLst>
-              </a:tr>
             </a:tbl>
           </a:graphicData>
         </a:graphic>
       </p:graphicFrame>
       <p:sp>
         <p:nvSpPr>
-          <p:cNvPr id="23" name="Up Arrow 22"/>
+          <p:cNvPr id="27" name="Up Arrow 26"/>
           <p:cNvSpPr/>
           <p:nvPr/>
         </p:nvSpPr>
         <p:spPr>
           <a:xfrm>
-            <a:off x="6593511" y="1906248"/>
-            <a:ext cx="261258" cy="708503"/>
+            <a:off x="5390831" y="2002972"/>
+            <a:ext cx="234009" cy="804421"/>
           </a:xfrm>
           <a:prstGeom prst="upArrow">
             <a:avLst/>
@@ -3732,58 +3688,14 @@
       </p:sp>
       <p:sp>
         <p:nvSpPr>
-          <p:cNvPr id="24" name="Down Arrow 23"/>
+          <p:cNvPr id="28" name="Rectangle 27"/>
           <p:cNvSpPr/>
           <p:nvPr/>
         </p:nvSpPr>
         <p:spPr>
           <a:xfrm>
-            <a:off x="3582887" y="1953008"/>
-            <a:ext cx="1335908" cy="1383977"/>
-          </a:xfrm>
-          <a:prstGeom prst="downArrow">
-            <a:avLst/>
-          </a:prstGeom>
-        </p:spPr>
-        <p:style>
-          <a:lnRef idx="2">
-            <a:schemeClr val="accent1">
-              <a:shade val="50000"/>
-            </a:schemeClr>
-          </a:lnRef>
-          <a:fillRef idx="1">
-            <a:schemeClr val="accent1"/>
-          </a:fillRef>
-          <a:effectRef idx="0">
-            <a:schemeClr val="accent1"/>
-          </a:effectRef>
-          <a:fontRef idx="minor">
-            <a:schemeClr val="lt1"/>
-          </a:fontRef>
-        </p:style>
-        <p:txBody>
-          <a:bodyPr rtlCol="0" anchor="ctr"/>
-          <a:lstStyle/>
-          <a:p>
-            <a:pPr algn="ctr"/>
-            <a:r>
-              <a:rPr lang="en-SG" dirty="0" smtClean="0"/>
-              <a:t>undo </a:t>
-            </a:r>
-            <a:endParaRPr lang="en-US" dirty="0"/>
-          </a:p>
-        </p:txBody>
-      </p:sp>
-      <p:sp>
-        <p:nvSpPr>
-          <p:cNvPr id="25" name="Rectangle 24"/>
-          <p:cNvSpPr/>
-          <p:nvPr/>
-        </p:nvSpPr>
-        <p:spPr>
-          <a:xfrm>
-            <a:off x="242877" y="966651"/>
-            <a:ext cx="11364686" cy="940526"/>
+            <a:off x="364797" y="1375953"/>
+            <a:ext cx="11364686" cy="618187"/>
           </a:xfrm>
           <a:prstGeom prst="rect">
             <a:avLst/>
@@ -3822,7 +3734,7 @@
       </p:sp>
       <p:sp>
         <p:nvSpPr>
-          <p:cNvPr id="26" name="TextBox 25">
+          <p:cNvPr id="29" name="TextBox 28">
             <a:extLst>
               <a:ext uri="{FF2B5EF4-FFF2-40B4-BE49-F238E27FC236}">
                 <a16:creationId xmlns:a16="http://schemas.microsoft.com/office/drawing/2014/main" id="{3151A13B-9509-43FA-BFEB-1D9866A00B84}"/>
@@ -3834,7 +3746,7 @@
         </p:nvSpPr>
         <p:spPr>
           <a:xfrm>
-            <a:off x="2516712" y="4980986"/>
+            <a:off x="1939992" y="5234888"/>
             <a:ext cx="3207000" cy="369332"/>
           </a:xfrm>
           <a:prstGeom prst="rect">
@@ -3859,7 +3771,13 @@
               <a:rPr lang="en-SG" dirty="0" smtClean="0">
                 <a:latin typeface="Consolas" panose="020B0609020204030204" pitchFamily="49" charset="0"/>
               </a:rPr>
-              <a:t> = 1</a:t>
+              <a:t> = </a:t>
+            </a:r>
+            <a:r>
+              <a:rPr lang="en-SG" dirty="0">
+                <a:latin typeface="Consolas" panose="020B0609020204030204" pitchFamily="49" charset="0"/>
+              </a:rPr>
+              <a:t>1</a:t>
             </a:r>
             <a:endParaRPr lang="en-SG" dirty="0">
               <a:latin typeface="Consolas" panose="020B0609020204030204" pitchFamily="49" charset="0"/>
@@ -3869,7 +3787,7 @@
       </p:sp>
       <p:graphicFrame>
         <p:nvGraphicFramePr>
-          <p:cNvPr id="30" name="Table 29">
+          <p:cNvPr id="36" name="Table 35">
             <a:extLst>
               <a:ext uri="{FF2B5EF4-FFF2-40B4-BE49-F238E27FC236}">
                 <a16:creationId xmlns:a16="http://schemas.microsoft.com/office/drawing/2014/main" id="{F545FAB8-F1CE-4886-9BDE-E772BCB0A9C4}"/>
@@ -3882,14 +3800,14 @@
           <p:nvPr>
             <p:extLst>
               <p:ext uri="{D42A27DB-BD31-4B8C-83A1-F6EECF244321}">
-                <p14:modId xmlns:p14="http://schemas.microsoft.com/office/powerpoint/2010/main" val="850382288"/>
+                <p14:modId xmlns:p14="http://schemas.microsoft.com/office/powerpoint/2010/main" val="99404744"/>
               </p:ext>
             </p:extLst>
           </p:nvPr>
         </p:nvGraphicFramePr>
         <p:xfrm>
-          <a:off x="368736" y="3483676"/>
-          <a:ext cx="2433209" cy="816036"/>
+          <a:off x="473240" y="3931005"/>
+          <a:ext cx="1825824" cy="409055"/>
         </p:xfrm>
         <a:graphic>
           <a:graphicData uri="http://schemas.openxmlformats.org/drawingml/2006/table">
@@ -3898,7 +3816,7 @@
                 <a:tableStyleId>{638B1855-1B75-4FBE-930C-398BA8C253C6}</a:tableStyleId>
               </a:tblPr>
               <a:tblGrid>
-                <a:gridCol w="2433209">
+                <a:gridCol w="1825824">
                   <a:extLst>
                     <a:ext uri="{9D8B030D-6E8A-4147-A177-3AD203B41FA5}">
                       <a16:colId xmlns:a16="http://schemas.microsoft.com/office/drawing/2014/main" val="4240773277"/>
@@ -3906,32 +3824,20 @@
                   </a:extLst>
                 </a:gridCol>
               </a:tblGrid>
-              <a:tr h="408018">
+              <a:tr h="409055">
                 <a:tc>
                   <a:txBody>
                     <a:bodyPr/>
                     <a:lstStyle/>
                     <a:p>
                       <a:r>
-                        <a:rPr lang="en-SG" u="sng" dirty="0" smtClean="0"/>
+                        <a:rPr lang="en-SG" sz="2000" u="sng" dirty="0" smtClean="0"/>
                         <a:t>:AddressBook0</a:t>
                       </a:r>
-                      <a:endParaRPr lang="en-SG" u="sng" dirty="0"/>
+                      <a:endParaRPr lang="en-SG" sz="2000" u="sng" dirty="0"/>
                     </a:p>
                   </a:txBody>
-                  <a:tcPr>
-                    <a:lnB w="12700" cap="flat" cmpd="sng" algn="ctr">
-                      <a:solidFill>
-                        <a:schemeClr val="bg1">
-                          <a:lumMod val="75000"/>
-                        </a:schemeClr>
-                      </a:solidFill>
-                      <a:prstDash val="solid"/>
-                      <a:round/>
-                      <a:headEnd type="none" w="med" len="med"/>
-                      <a:tailEnd type="none" w="med" len="med"/>
-                    </a:lnB>
-                  </a:tcPr>
+                  <a:tcPr/>
                 </a:tc>
                 <a:extLst>
                   <a:ext uri="{0D108BD9-81ED-4DB2-BD59-A6C34878D82A}">
@@ -3939,57 +3845,20 @@
                   </a:ext>
                 </a:extLst>
               </a:tr>
-              <a:tr h="408018">
-                <a:tc>
-                  <a:txBody>
-                    <a:bodyPr/>
-                    <a:lstStyle/>
-                    <a:p>
-                      <a:r>
-                        <a:rPr lang="en-SG" dirty="0" err="1" smtClean="0"/>
-                        <a:t>prevAddressBook</a:t>
-                      </a:r>
-                      <a:r>
-                        <a:rPr lang="en-SG" dirty="0" smtClean="0"/>
-                        <a:t> = s0</a:t>
-                      </a:r>
-                      <a:endParaRPr lang="en-SG" dirty="0"/>
-                    </a:p>
-                  </a:txBody>
-                  <a:tcPr>
-                    <a:lnT w="12700" cap="flat" cmpd="sng" algn="ctr">
-                      <a:solidFill>
-                        <a:schemeClr val="bg1">
-                          <a:lumMod val="75000"/>
-                        </a:schemeClr>
-                      </a:solidFill>
-                      <a:prstDash val="solid"/>
-                      <a:round/>
-                      <a:headEnd type="none" w="med" len="med"/>
-                      <a:tailEnd type="none" w="med" len="med"/>
-                    </a:lnT>
-                  </a:tcPr>
-                </a:tc>
-                <a:extLst>
-                  <a:ext uri="{0D108BD9-81ED-4DB2-BD59-A6C34878D82A}">
-                    <a16:rowId xmlns:a16="http://schemas.microsoft.com/office/drawing/2014/main" val="368623409"/>
-                  </a:ext>
-                </a:extLst>
-              </a:tr>
             </a:tbl>
           </a:graphicData>
         </a:graphic>
       </p:graphicFrame>
       <p:sp>
         <p:nvSpPr>
-          <p:cNvPr id="31" name="Up Arrow 30"/>
+          <p:cNvPr id="37" name="Up Arrow 36"/>
           <p:cNvSpPr/>
           <p:nvPr/>
         </p:nvSpPr>
         <p:spPr>
           <a:xfrm>
-            <a:off x="3989583" y="4353846"/>
-            <a:ext cx="261258" cy="708503"/>
+            <a:off x="3282461" y="4421799"/>
+            <a:ext cx="261031" cy="798758"/>
           </a:xfrm>
           <a:prstGeom prst="upArrow">
             <a:avLst/>
@@ -4022,14 +3891,14 @@
       </p:sp>
       <p:sp>
         <p:nvSpPr>
-          <p:cNvPr id="32" name="Rectangle 31"/>
+          <p:cNvPr id="38" name="Rectangle 37"/>
           <p:cNvSpPr/>
           <p:nvPr/>
         </p:nvSpPr>
         <p:spPr>
           <a:xfrm>
-            <a:off x="265484" y="3422592"/>
-            <a:ext cx="11364686" cy="940526"/>
+            <a:off x="387404" y="3838574"/>
+            <a:ext cx="11364686" cy="593918"/>
           </a:xfrm>
           <a:prstGeom prst="rect">
             <a:avLst/>
@@ -4068,7 +3937,7 @@
       </p:sp>
       <p:graphicFrame>
         <p:nvGraphicFramePr>
-          <p:cNvPr id="33" name="Table 32">
+          <p:cNvPr id="39" name="Table 38">
             <a:extLst>
               <a:ext uri="{FF2B5EF4-FFF2-40B4-BE49-F238E27FC236}">
                 <a16:creationId xmlns:a16="http://schemas.microsoft.com/office/drawing/2014/main" id="{F545FAB8-F1CE-4886-9BDE-E772BCB0A9C4}"/>
@@ -4081,14 +3950,14 @@
           <p:nvPr>
             <p:extLst>
               <p:ext uri="{D42A27DB-BD31-4B8C-83A1-F6EECF244321}">
-                <p14:modId xmlns:p14="http://schemas.microsoft.com/office/powerpoint/2010/main" val="3961838608"/>
+                <p14:modId xmlns:p14="http://schemas.microsoft.com/office/powerpoint/2010/main" val="3147014714"/>
               </p:ext>
             </p:extLst>
           </p:nvPr>
         </p:nvGraphicFramePr>
         <p:xfrm>
-          <a:off x="2905197" y="1024666"/>
-          <a:ext cx="2433209" cy="816036"/>
+          <a:off x="2563054" y="1484935"/>
+          <a:ext cx="1753888" cy="409055"/>
         </p:xfrm>
         <a:graphic>
           <a:graphicData uri="http://schemas.openxmlformats.org/drawingml/2006/table">
@@ -4097,7 +3966,7 @@
                 <a:tableStyleId>{638B1855-1B75-4FBE-930C-398BA8C253C6}</a:tableStyleId>
               </a:tblPr>
               <a:tblGrid>
-                <a:gridCol w="2433209">
+                <a:gridCol w="1753888">
                   <a:extLst>
                     <a:ext uri="{9D8B030D-6E8A-4147-A177-3AD203B41FA5}">
                       <a16:colId xmlns:a16="http://schemas.microsoft.com/office/drawing/2014/main" val="4240773277"/>
@@ -4105,73 +3974,24 @@
                   </a:extLst>
                 </a:gridCol>
               </a:tblGrid>
-              <a:tr h="408018">
+              <a:tr h="409055">
                 <a:tc>
                   <a:txBody>
                     <a:bodyPr/>
                     <a:lstStyle/>
                     <a:p>
                       <a:r>
-                        <a:rPr lang="en-SG" u="sng" dirty="0" smtClean="0"/>
+                        <a:rPr lang="en-SG" sz="2000" u="sng" dirty="0" smtClean="0"/>
                         <a:t>:AddressBook1</a:t>
                       </a:r>
-                      <a:endParaRPr lang="en-SG" u="sng" dirty="0"/>
+                      <a:endParaRPr lang="en-SG" sz="2000" u="sng" dirty="0"/>
                     </a:p>
                   </a:txBody>
-                  <a:tcPr>
-                    <a:lnB w="12700" cap="flat" cmpd="sng" algn="ctr">
-                      <a:solidFill>
-                        <a:schemeClr val="bg1">
-                          <a:lumMod val="75000"/>
-                        </a:schemeClr>
-                      </a:solidFill>
-                      <a:prstDash val="solid"/>
-                      <a:round/>
-                      <a:headEnd type="none" w="med" len="med"/>
-                      <a:tailEnd type="none" w="med" len="med"/>
-                    </a:lnB>
-                  </a:tcPr>
+                  <a:tcPr/>
                 </a:tc>
                 <a:extLst>
                   <a:ext uri="{0D108BD9-81ED-4DB2-BD59-A6C34878D82A}">
                     <a16:rowId xmlns:a16="http://schemas.microsoft.com/office/drawing/2014/main" val="2194462629"/>
-                  </a:ext>
-                </a:extLst>
-              </a:tr>
-              <a:tr h="408018">
-                <a:tc>
-                  <a:txBody>
-                    <a:bodyPr/>
-                    <a:lstStyle/>
-                    <a:p>
-                      <a:r>
-                        <a:rPr lang="en-SG" dirty="0" err="1" smtClean="0"/>
-                        <a:t>prevAddressBook</a:t>
-                      </a:r>
-                      <a:r>
-                        <a:rPr lang="en-SG" dirty="0" smtClean="0"/>
-                        <a:t> = s1</a:t>
-                      </a:r>
-                      <a:endParaRPr lang="en-SG" dirty="0"/>
-                    </a:p>
-                  </a:txBody>
-                  <a:tcPr>
-                    <a:lnT w="12700" cap="flat" cmpd="sng" algn="ctr">
-                      <a:solidFill>
-                        <a:schemeClr val="bg1">
-                          <a:lumMod val="75000"/>
-                        </a:schemeClr>
-                      </a:solidFill>
-                      <a:prstDash val="solid"/>
-                      <a:round/>
-                      <a:headEnd type="none" w="med" len="med"/>
-                      <a:tailEnd type="none" w="med" len="med"/>
-                    </a:lnT>
-                  </a:tcPr>
-                </a:tc>
-                <a:extLst>
-                  <a:ext uri="{0D108BD9-81ED-4DB2-BD59-A6C34878D82A}">
-                    <a16:rowId xmlns:a16="http://schemas.microsoft.com/office/drawing/2014/main" val="368623409"/>
                   </a:ext>
                 </a:extLst>
               </a:tr>
@@ -4181,7 +4001,7 @@
       </p:graphicFrame>
       <p:graphicFrame>
         <p:nvGraphicFramePr>
-          <p:cNvPr id="34" name="Table 33">
+          <p:cNvPr id="40" name="Table 39">
             <a:extLst>
               <a:ext uri="{FF2B5EF4-FFF2-40B4-BE49-F238E27FC236}">
                 <a16:creationId xmlns:a16="http://schemas.microsoft.com/office/drawing/2014/main" id="{F545FAB8-F1CE-4886-9BDE-E772BCB0A9C4}"/>
@@ -4194,14 +4014,14 @@
           <p:nvPr>
             <p:extLst>
               <p:ext uri="{D42A27DB-BD31-4B8C-83A1-F6EECF244321}">
-                <p14:modId xmlns:p14="http://schemas.microsoft.com/office/powerpoint/2010/main" val="3762953922"/>
+                <p14:modId xmlns:p14="http://schemas.microsoft.com/office/powerpoint/2010/main" val="2558356473"/>
               </p:ext>
             </p:extLst>
           </p:nvPr>
         </p:nvGraphicFramePr>
         <p:xfrm>
-          <a:off x="5441658" y="3480201"/>
-          <a:ext cx="2433209" cy="816036"/>
+          <a:off x="4581160" y="3931005"/>
+          <a:ext cx="1753888" cy="409055"/>
         </p:xfrm>
         <a:graphic>
           <a:graphicData uri="http://schemas.openxmlformats.org/drawingml/2006/table">
@@ -4210,7 +4030,7 @@
                 <a:tableStyleId>{638B1855-1B75-4FBE-930C-398BA8C253C6}</a:tableStyleId>
               </a:tblPr>
               <a:tblGrid>
-                <a:gridCol w="2433209">
+                <a:gridCol w="1753888">
                   <a:extLst>
                     <a:ext uri="{9D8B030D-6E8A-4147-A177-3AD203B41FA5}">
                       <a16:colId xmlns:a16="http://schemas.microsoft.com/office/drawing/2014/main" val="4240773277"/>
@@ -4218,81 +4038,28 @@
                   </a:extLst>
                 </a:gridCol>
               </a:tblGrid>
-              <a:tr h="408018">
+              <a:tr h="409055">
                 <a:tc>
                   <a:txBody>
                     <a:bodyPr/>
                     <a:lstStyle/>
                     <a:p>
                       <a:r>
-                        <a:rPr lang="en-SG" u="sng" dirty="0" smtClean="0"/>
+                        <a:rPr lang="en-SG" sz="2000" u="sng" dirty="0" smtClean="0"/>
                         <a:t>:</a:t>
                       </a:r>
                       <a:r>
-                        <a:rPr lang="en-SG" u="sng" dirty="0" smtClean="0"/>
+                        <a:rPr lang="en-SG" sz="2000" u="sng" dirty="0" smtClean="0"/>
                         <a:t>AddressBook2</a:t>
                       </a:r>
-                      <a:endParaRPr lang="en-SG" u="sng" dirty="0"/>
+                      <a:endParaRPr lang="en-SG" sz="2000" u="sng" dirty="0"/>
                     </a:p>
                   </a:txBody>
-                  <a:tcPr>
-                    <a:lnB w="12700" cap="flat" cmpd="sng" algn="ctr">
-                      <a:solidFill>
-                        <a:schemeClr val="bg1">
-                          <a:lumMod val="75000"/>
-                        </a:schemeClr>
-                      </a:solidFill>
-                      <a:prstDash val="solid"/>
-                      <a:round/>
-                      <a:headEnd type="none" w="med" len="med"/>
-                      <a:tailEnd type="none" w="med" len="med"/>
-                    </a:lnB>
-                  </a:tcPr>
+                  <a:tcPr/>
                 </a:tc>
                 <a:extLst>
                   <a:ext uri="{0D108BD9-81ED-4DB2-BD59-A6C34878D82A}">
                     <a16:rowId xmlns:a16="http://schemas.microsoft.com/office/drawing/2014/main" val="2194462629"/>
-                  </a:ext>
-                </a:extLst>
-              </a:tr>
-              <a:tr h="408018">
-                <a:tc>
-                  <a:txBody>
-                    <a:bodyPr/>
-                    <a:lstStyle/>
-                    <a:p>
-                      <a:r>
-                        <a:rPr lang="en-SG" dirty="0" err="1" smtClean="0"/>
-                        <a:t>prevAddressBook</a:t>
-                      </a:r>
-                      <a:r>
-                        <a:rPr lang="en-SG" dirty="0" smtClean="0"/>
-                        <a:t> = </a:t>
-                      </a:r>
-                      <a:r>
-                        <a:rPr lang="en-SG" dirty="0" smtClean="0"/>
-                        <a:t>s2</a:t>
-                      </a:r>
-                      <a:endParaRPr lang="en-SG" dirty="0"/>
-                    </a:p>
-                  </a:txBody>
-                  <a:tcPr>
-                    <a:lnT w="12700" cap="flat" cmpd="sng" algn="ctr">
-                      <a:solidFill>
-                        <a:schemeClr val="bg1">
-                          <a:lumMod val="75000"/>
-                        </a:schemeClr>
-                      </a:solidFill>
-                      <a:prstDash val="solid"/>
-                      <a:round/>
-                      <a:headEnd type="none" w="med" len="med"/>
-                      <a:tailEnd type="none" w="med" len="med"/>
-                    </a:lnT>
-                  </a:tcPr>
-                </a:tc>
-                <a:extLst>
-                  <a:ext uri="{0D108BD9-81ED-4DB2-BD59-A6C34878D82A}">
-                    <a16:rowId xmlns:a16="http://schemas.microsoft.com/office/drawing/2014/main" val="368623409"/>
                   </a:ext>
                 </a:extLst>
               </a:tr>
@@ -4302,7 +4069,7 @@
       </p:graphicFrame>
       <p:graphicFrame>
         <p:nvGraphicFramePr>
-          <p:cNvPr id="35" name="Table 34">
+          <p:cNvPr id="41" name="Table 40">
             <a:extLst>
               <a:ext uri="{FF2B5EF4-FFF2-40B4-BE49-F238E27FC236}">
                 <a16:creationId xmlns:a16="http://schemas.microsoft.com/office/drawing/2014/main" id="{F545FAB8-F1CE-4886-9BDE-E772BCB0A9C4}"/>
@@ -4315,14 +4082,14 @@
           <p:nvPr>
             <p:extLst>
               <p:ext uri="{D42A27DB-BD31-4B8C-83A1-F6EECF244321}">
-                <p14:modId xmlns:p14="http://schemas.microsoft.com/office/powerpoint/2010/main" val="1448304687"/>
+                <p14:modId xmlns:p14="http://schemas.microsoft.com/office/powerpoint/2010/main" val="3452410761"/>
               </p:ext>
             </p:extLst>
           </p:nvPr>
         </p:nvGraphicFramePr>
         <p:xfrm>
-          <a:off x="5464265" y="1024666"/>
-          <a:ext cx="2433209" cy="816036"/>
+          <a:off x="4617017" y="1470038"/>
+          <a:ext cx="1753888" cy="409055"/>
         </p:xfrm>
         <a:graphic>
           <a:graphicData uri="http://schemas.openxmlformats.org/drawingml/2006/table">
@@ -4331,7 +4098,7 @@
                 <a:tableStyleId>{638B1855-1B75-4FBE-930C-398BA8C253C6}</a:tableStyleId>
               </a:tblPr>
               <a:tblGrid>
-                <a:gridCol w="2433209">
+                <a:gridCol w="1753888">
                   <a:extLst>
                     <a:ext uri="{9D8B030D-6E8A-4147-A177-3AD203B41FA5}">
                       <a16:colId xmlns:a16="http://schemas.microsoft.com/office/drawing/2014/main" val="4240773277"/>
@@ -4339,81 +4106,28 @@
                   </a:extLst>
                 </a:gridCol>
               </a:tblGrid>
-              <a:tr h="408018">
+              <a:tr h="409055">
                 <a:tc>
                   <a:txBody>
                     <a:bodyPr/>
                     <a:lstStyle/>
                     <a:p>
                       <a:r>
-                        <a:rPr lang="en-SG" u="sng" dirty="0" smtClean="0"/>
+                        <a:rPr lang="en-SG" sz="2000" u="sng" dirty="0" smtClean="0"/>
                         <a:t>:</a:t>
                       </a:r>
                       <a:r>
-                        <a:rPr lang="en-SG" u="sng" dirty="0" smtClean="0"/>
+                        <a:rPr lang="en-SG" sz="2000" u="sng" dirty="0" smtClean="0"/>
                         <a:t>AddressBook2</a:t>
                       </a:r>
-                      <a:endParaRPr lang="en-SG" u="sng" dirty="0"/>
+                      <a:endParaRPr lang="en-SG" sz="2000" u="sng" dirty="0"/>
                     </a:p>
                   </a:txBody>
-                  <a:tcPr>
-                    <a:lnB w="12700" cap="flat" cmpd="sng" algn="ctr">
-                      <a:solidFill>
-                        <a:schemeClr val="bg1">
-                          <a:lumMod val="75000"/>
-                        </a:schemeClr>
-                      </a:solidFill>
-                      <a:prstDash val="solid"/>
-                      <a:round/>
-                      <a:headEnd type="none" w="med" len="med"/>
-                      <a:tailEnd type="none" w="med" len="med"/>
-                    </a:lnB>
-                  </a:tcPr>
+                  <a:tcPr/>
                 </a:tc>
                 <a:extLst>
                   <a:ext uri="{0D108BD9-81ED-4DB2-BD59-A6C34878D82A}">
                     <a16:rowId xmlns:a16="http://schemas.microsoft.com/office/drawing/2014/main" val="2194462629"/>
-                  </a:ext>
-                </a:extLst>
-              </a:tr>
-              <a:tr h="408018">
-                <a:tc>
-                  <a:txBody>
-                    <a:bodyPr/>
-                    <a:lstStyle/>
-                    <a:p>
-                      <a:r>
-                        <a:rPr lang="en-SG" dirty="0" err="1" smtClean="0"/>
-                        <a:t>prevAddressBook</a:t>
-                      </a:r>
-                      <a:r>
-                        <a:rPr lang="en-SG" dirty="0" smtClean="0"/>
-                        <a:t> = </a:t>
-                      </a:r>
-                      <a:r>
-                        <a:rPr lang="en-SG" dirty="0" smtClean="0"/>
-                        <a:t>s2</a:t>
-                      </a:r>
-                      <a:endParaRPr lang="en-SG" dirty="0"/>
-                    </a:p>
-                  </a:txBody>
-                  <a:tcPr>
-                    <a:lnT w="12700" cap="flat" cmpd="sng" algn="ctr">
-                      <a:solidFill>
-                        <a:schemeClr val="bg1">
-                          <a:lumMod val="75000"/>
-                        </a:schemeClr>
-                      </a:solidFill>
-                      <a:prstDash val="solid"/>
-                      <a:round/>
-                      <a:headEnd type="none" w="med" len="med"/>
-                      <a:tailEnd type="none" w="med" len="med"/>
-                    </a:lnT>
-                  </a:tcPr>
-                </a:tc>
-                <a:extLst>
-                  <a:ext uri="{0D108BD9-81ED-4DB2-BD59-A6C34878D82A}">
-                    <a16:rowId xmlns:a16="http://schemas.microsoft.com/office/drawing/2014/main" val="368623409"/>
                   </a:ext>
                 </a:extLst>
               </a:tr>
